--- a/project/Présentation_Projet.pptx
+++ b/project/Présentation_Projet.pptx
@@ -214,7 +214,7 @@
           <a:p>
             <a:fld id="{B873FB14-EBC0-344D-93CE-F38760E189E0}" type="datetimeFigureOut">
               <a:rPr lang="fr-FR" smtClean="0"/>
-              <a:t>08/05/2020</a:t>
+              <a:t>09/05/2020</a:t>
             </a:fld>
             <a:endParaRPr lang="fr-FR"/>
           </a:p>
@@ -2914,7 +2914,7 @@
           <a:p>
             <a:fld id="{66B84988-3C58-BB45-9E13-598A67981CF5}" type="datetimeFigureOut">
               <a:rPr lang="fr-FR" smtClean="0"/>
-              <a:t>08/05/2020</a:t>
+              <a:t>09/05/2020</a:t>
             </a:fld>
             <a:endParaRPr lang="fr-FR"/>
           </a:p>
@@ -3112,7 +3112,7 @@
           <a:p>
             <a:fld id="{66B84988-3C58-BB45-9E13-598A67981CF5}" type="datetimeFigureOut">
               <a:rPr lang="fr-FR" smtClean="0"/>
-              <a:t>08/05/2020</a:t>
+              <a:t>09/05/2020</a:t>
             </a:fld>
             <a:endParaRPr lang="fr-FR"/>
           </a:p>
@@ -3320,7 +3320,7 @@
           <a:p>
             <a:fld id="{66B84988-3C58-BB45-9E13-598A67981CF5}" type="datetimeFigureOut">
               <a:rPr lang="fr-FR" smtClean="0"/>
-              <a:t>08/05/2020</a:t>
+              <a:t>09/05/2020</a:t>
             </a:fld>
             <a:endParaRPr lang="fr-FR"/>
           </a:p>
@@ -3877,7 +3877,7 @@
           <a:p>
             <a:fld id="{66B84988-3C58-BB45-9E13-598A67981CF5}" type="datetimeFigureOut">
               <a:rPr lang="fr-FR" smtClean="0"/>
-              <a:t>08/05/2020</a:t>
+              <a:t>09/05/2020</a:t>
             </a:fld>
             <a:endParaRPr lang="fr-FR"/>
           </a:p>
@@ -4152,7 +4152,7 @@
           <a:p>
             <a:fld id="{66B84988-3C58-BB45-9E13-598A67981CF5}" type="datetimeFigureOut">
               <a:rPr lang="fr-FR" smtClean="0"/>
-              <a:t>08/05/2020</a:t>
+              <a:t>09/05/2020</a:t>
             </a:fld>
             <a:endParaRPr lang="fr-FR"/>
           </a:p>
@@ -4417,7 +4417,7 @@
           <a:p>
             <a:fld id="{66B84988-3C58-BB45-9E13-598A67981CF5}" type="datetimeFigureOut">
               <a:rPr lang="fr-FR" smtClean="0"/>
-              <a:t>08/05/2020</a:t>
+              <a:t>09/05/2020</a:t>
             </a:fld>
             <a:endParaRPr lang="fr-FR"/>
           </a:p>
@@ -4829,7 +4829,7 @@
           <a:p>
             <a:fld id="{66B84988-3C58-BB45-9E13-598A67981CF5}" type="datetimeFigureOut">
               <a:rPr lang="fr-FR" smtClean="0"/>
-              <a:t>08/05/2020</a:t>
+              <a:t>09/05/2020</a:t>
             </a:fld>
             <a:endParaRPr lang="fr-FR"/>
           </a:p>
@@ -4970,7 +4970,7 @@
           <a:p>
             <a:fld id="{66B84988-3C58-BB45-9E13-598A67981CF5}" type="datetimeFigureOut">
               <a:rPr lang="fr-FR" smtClean="0"/>
-              <a:t>08/05/2020</a:t>
+              <a:t>09/05/2020</a:t>
             </a:fld>
             <a:endParaRPr lang="fr-FR"/>
           </a:p>
@@ -5083,7 +5083,7 @@
           <a:p>
             <a:fld id="{66B84988-3C58-BB45-9E13-598A67981CF5}" type="datetimeFigureOut">
               <a:rPr lang="fr-FR" smtClean="0"/>
-              <a:t>08/05/2020</a:t>
+              <a:t>09/05/2020</a:t>
             </a:fld>
             <a:endParaRPr lang="fr-FR"/>
           </a:p>
@@ -5394,7 +5394,7 @@
           <a:p>
             <a:fld id="{66B84988-3C58-BB45-9E13-598A67981CF5}" type="datetimeFigureOut">
               <a:rPr lang="fr-FR" smtClean="0"/>
-              <a:t>08/05/2020</a:t>
+              <a:t>09/05/2020</a:t>
             </a:fld>
             <a:endParaRPr lang="fr-FR"/>
           </a:p>
@@ -5682,7 +5682,7 @@
           <a:p>
             <a:fld id="{66B84988-3C58-BB45-9E13-598A67981CF5}" type="datetimeFigureOut">
               <a:rPr lang="fr-FR" smtClean="0"/>
-              <a:t>08/05/2020</a:t>
+              <a:t>09/05/2020</a:t>
             </a:fld>
             <a:endParaRPr lang="fr-FR"/>
           </a:p>
@@ -5923,7 +5923,7 @@
           <a:p>
             <a:fld id="{66B84988-3C58-BB45-9E13-598A67981CF5}" type="datetimeFigureOut">
               <a:rPr lang="fr-FR" smtClean="0"/>
-              <a:t>08/05/2020</a:t>
+              <a:t>09/05/2020</a:t>
             </a:fld>
             <a:endParaRPr lang="fr-FR"/>
           </a:p>
@@ -11677,6 +11677,24 @@
                 <a:spcPct val="100000"/>
               </a:lnSpc>
             </a:pPr>
+            <a:r>
+              <a:rPr lang="fr-CH" dirty="0" err="1">
+                <a:latin typeface="Calibri"/>
+                <a:ea typeface="Calibri"/>
+                <a:cs typeface="Calibri"/>
+                <a:sym typeface="Calibri"/>
+              </a:rPr>
+              <a:t>Random</a:t>
+            </a:r>
+            <a:r>
+              <a:rPr lang="fr-CH" dirty="0">
+                <a:latin typeface="Calibri"/>
+                <a:ea typeface="Calibri"/>
+                <a:cs typeface="Calibri"/>
+                <a:sym typeface="Calibri"/>
+              </a:rPr>
+              <a:t> Forest</a:t>
+            </a:r>
             <a:endParaRPr dirty="0">
               <a:latin typeface="Calibri"/>
               <a:ea typeface="Calibri"/>
@@ -11694,8 +11712,8 @@
         </p:nvSpPr>
         <p:spPr>
           <a:xfrm>
-            <a:off x="403367" y="1293033"/>
-            <a:ext cx="11092000" cy="5374800"/>
+            <a:off x="817946" y="1309974"/>
+            <a:ext cx="9392851" cy="4924590"/>
           </a:xfrm>
           <a:prstGeom prst="rect">
             <a:avLst/>
@@ -11710,6 +11728,432 @@
             <a:noAutofit/>
           </a:bodyPr>
           <a:lstStyle/>
+          <a:p>
+            <a:pPr>
+              <a:lnSpc>
+                <a:spcPct val="150000"/>
+              </a:lnSpc>
+              <a:buClr>
+                <a:srgbClr val="000000"/>
+              </a:buClr>
+              <a:buSzPts val="1400"/>
+            </a:pPr>
+            <a:r>
+              <a:rPr lang="fr-CH" sz="2400" dirty="0">
+                <a:solidFill>
+                  <a:srgbClr val="000000"/>
+                </a:solidFill>
+                <a:ea typeface="Calibri"/>
+                <a:cs typeface="Calibri"/>
+                <a:sym typeface="Calibri"/>
+              </a:rPr>
+              <a:t>Pros and Cons: </a:t>
+            </a:r>
+          </a:p>
+          <a:p>
+            <a:pPr marL="342900" indent="-342900">
+              <a:lnSpc>
+                <a:spcPct val="150000"/>
+              </a:lnSpc>
+              <a:buClr>
+                <a:srgbClr val="000000"/>
+              </a:buClr>
+              <a:buSzPts val="1400"/>
+              <a:buFontTx/>
+              <a:buChar char="-"/>
+            </a:pPr>
+            <a:r>
+              <a:rPr lang="fr-CH" sz="2000" dirty="0" err="1">
+                <a:solidFill>
+                  <a:srgbClr val="000000"/>
+                </a:solidFill>
+                <a:ea typeface="Calibri"/>
+                <a:cs typeface="Calibri"/>
+                <a:sym typeface="Calibri"/>
+              </a:rPr>
+              <a:t>Lower</a:t>
+            </a:r>
+            <a:r>
+              <a:rPr lang="fr-CH" sz="2000" dirty="0">
+                <a:solidFill>
+                  <a:srgbClr val="000000"/>
+                </a:solidFill>
+                <a:ea typeface="Calibri"/>
+                <a:cs typeface="Calibri"/>
+                <a:sym typeface="Calibri"/>
+              </a:rPr>
+              <a:t> impact </a:t>
+            </a:r>
+            <a:r>
+              <a:rPr lang="fr-CH" sz="2000" dirty="0" err="1">
+                <a:solidFill>
+                  <a:srgbClr val="000000"/>
+                </a:solidFill>
+                <a:ea typeface="Calibri"/>
+                <a:cs typeface="Calibri"/>
+                <a:sym typeface="Calibri"/>
+              </a:rPr>
+              <a:t>from</a:t>
+            </a:r>
+            <a:r>
+              <a:rPr lang="fr-CH" sz="2000" dirty="0">
+                <a:solidFill>
+                  <a:srgbClr val="000000"/>
+                </a:solidFill>
+                <a:ea typeface="Calibri"/>
+                <a:cs typeface="Calibri"/>
+                <a:sym typeface="Calibri"/>
+              </a:rPr>
+              <a:t> </a:t>
+            </a:r>
+            <a:r>
+              <a:rPr lang="fr-CH" sz="2000" dirty="0" err="1">
+                <a:solidFill>
+                  <a:srgbClr val="000000"/>
+                </a:solidFill>
+                <a:ea typeface="Calibri"/>
+                <a:cs typeface="Calibri"/>
+                <a:sym typeface="Calibri"/>
+              </a:rPr>
+              <a:t>outliers</a:t>
+            </a:r>
+            <a:endParaRPr lang="fr-CH" sz="2000" dirty="0">
+              <a:solidFill>
+                <a:srgbClr val="000000"/>
+              </a:solidFill>
+              <a:ea typeface="Calibri"/>
+              <a:cs typeface="Calibri"/>
+              <a:sym typeface="Calibri"/>
+            </a:endParaRPr>
+          </a:p>
+          <a:p>
+            <a:pPr marL="342900" indent="-342900">
+              <a:lnSpc>
+                <a:spcPct val="150000"/>
+              </a:lnSpc>
+              <a:buClr>
+                <a:srgbClr val="000000"/>
+              </a:buClr>
+              <a:buSzPts val="1400"/>
+              <a:buFontTx/>
+              <a:buChar char="-"/>
+            </a:pPr>
+            <a:r>
+              <a:rPr lang="fr-CH" sz="2000" dirty="0" err="1">
+                <a:solidFill>
+                  <a:srgbClr val="000000"/>
+                </a:solidFill>
+                <a:ea typeface="Calibri"/>
+                <a:cs typeface="Calibri"/>
+                <a:sym typeface="Calibri"/>
+              </a:rPr>
+              <a:t>Lower</a:t>
+            </a:r>
+            <a:r>
+              <a:rPr lang="fr-CH" sz="2000" dirty="0">
+                <a:solidFill>
+                  <a:srgbClr val="000000"/>
+                </a:solidFill>
+                <a:ea typeface="Calibri"/>
+                <a:cs typeface="Calibri"/>
+                <a:sym typeface="Calibri"/>
+              </a:rPr>
+              <a:t> </a:t>
+            </a:r>
+            <a:r>
+              <a:rPr lang="fr-CH" sz="2000" dirty="0" err="1">
+                <a:solidFill>
+                  <a:srgbClr val="000000"/>
+                </a:solidFill>
+                <a:ea typeface="Calibri"/>
+                <a:cs typeface="Calibri"/>
+                <a:sym typeface="Calibri"/>
+              </a:rPr>
+              <a:t>risk</a:t>
+            </a:r>
+            <a:r>
+              <a:rPr lang="fr-CH" sz="2000" dirty="0">
+                <a:solidFill>
+                  <a:srgbClr val="000000"/>
+                </a:solidFill>
+                <a:ea typeface="Calibri"/>
+                <a:cs typeface="Calibri"/>
+                <a:sym typeface="Calibri"/>
+              </a:rPr>
+              <a:t> of </a:t>
+            </a:r>
+            <a:r>
+              <a:rPr lang="fr-CH" sz="2000" dirty="0" err="1">
+                <a:solidFill>
+                  <a:srgbClr val="000000"/>
+                </a:solidFill>
+                <a:ea typeface="Calibri"/>
+                <a:cs typeface="Calibri"/>
+                <a:sym typeface="Calibri"/>
+              </a:rPr>
+              <a:t>overfitting</a:t>
+            </a:r>
+            <a:endParaRPr lang="fr-CH" sz="2000" dirty="0">
+              <a:solidFill>
+                <a:srgbClr val="000000"/>
+              </a:solidFill>
+              <a:ea typeface="Calibri"/>
+              <a:cs typeface="Calibri"/>
+              <a:sym typeface="Calibri"/>
+            </a:endParaRPr>
+          </a:p>
+          <a:p>
+            <a:pPr marL="342900" indent="-342900">
+              <a:lnSpc>
+                <a:spcPct val="150000"/>
+              </a:lnSpc>
+              <a:buClr>
+                <a:srgbClr val="000000"/>
+              </a:buClr>
+              <a:buSzPts val="1400"/>
+              <a:buFontTx/>
+              <a:buChar char="-"/>
+            </a:pPr>
+            <a:r>
+              <a:rPr lang="fr-CH" sz="2000" dirty="0">
+                <a:solidFill>
+                  <a:srgbClr val="000000"/>
+                </a:solidFill>
+                <a:ea typeface="Calibri"/>
+                <a:cs typeface="Calibri"/>
+                <a:sym typeface="Calibri"/>
+              </a:rPr>
+              <a:t>Longer </a:t>
+            </a:r>
+            <a:r>
+              <a:rPr lang="fr-CH" sz="2000" dirty="0" err="1">
+                <a:solidFill>
+                  <a:srgbClr val="000000"/>
+                </a:solidFill>
+                <a:ea typeface="Calibri"/>
+                <a:cs typeface="Calibri"/>
+                <a:sym typeface="Calibri"/>
+              </a:rPr>
+              <a:t>computational</a:t>
+            </a:r>
+            <a:r>
+              <a:rPr lang="fr-CH" sz="2000" dirty="0">
+                <a:solidFill>
+                  <a:srgbClr val="000000"/>
+                </a:solidFill>
+                <a:ea typeface="Calibri"/>
+                <a:cs typeface="Calibri"/>
+                <a:sym typeface="Calibri"/>
+              </a:rPr>
+              <a:t> time</a:t>
+            </a:r>
+          </a:p>
+          <a:p>
+            <a:pPr>
+              <a:lnSpc>
+                <a:spcPct val="150000"/>
+              </a:lnSpc>
+              <a:buClr>
+                <a:srgbClr val="000000"/>
+              </a:buClr>
+              <a:buSzPts val="1400"/>
+            </a:pPr>
+            <a:endParaRPr lang="fr-CH" sz="2000" dirty="0">
+              <a:solidFill>
+                <a:srgbClr val="000000"/>
+              </a:solidFill>
+              <a:ea typeface="Calibri"/>
+              <a:cs typeface="Calibri"/>
+              <a:sym typeface="Calibri"/>
+            </a:endParaRPr>
+          </a:p>
+          <a:p>
+            <a:pPr>
+              <a:lnSpc>
+                <a:spcPct val="150000"/>
+              </a:lnSpc>
+              <a:buClr>
+                <a:srgbClr val="000000"/>
+              </a:buClr>
+              <a:buSzPts val="1400"/>
+            </a:pPr>
+            <a:r>
+              <a:rPr lang="fr-CH" sz="2400" dirty="0" err="1">
+                <a:solidFill>
+                  <a:srgbClr val="000000"/>
+                </a:solidFill>
+                <a:ea typeface="Calibri"/>
+                <a:cs typeface="Calibri"/>
+                <a:sym typeface="Calibri"/>
+              </a:rPr>
+              <a:t>Hyperparameter</a:t>
+            </a:r>
+            <a:r>
+              <a:rPr lang="fr-CH" sz="2400" dirty="0">
+                <a:solidFill>
+                  <a:srgbClr val="000000"/>
+                </a:solidFill>
+                <a:ea typeface="Calibri"/>
+                <a:cs typeface="Calibri"/>
+                <a:sym typeface="Calibri"/>
+              </a:rPr>
+              <a:t> </a:t>
+            </a:r>
+            <a:r>
+              <a:rPr lang="fr-CH" sz="2400" dirty="0" err="1">
+                <a:solidFill>
+                  <a:srgbClr val="000000"/>
+                </a:solidFill>
+                <a:ea typeface="Calibri"/>
+                <a:cs typeface="Calibri"/>
+                <a:sym typeface="Calibri"/>
+              </a:rPr>
+              <a:t>Tuning</a:t>
+            </a:r>
+            <a:r>
+              <a:rPr lang="fr-CH" sz="2400" dirty="0">
+                <a:solidFill>
+                  <a:srgbClr val="000000"/>
+                </a:solidFill>
+                <a:ea typeface="Calibri"/>
+                <a:cs typeface="Calibri"/>
+                <a:sym typeface="Calibri"/>
+              </a:rPr>
+              <a:t>: </a:t>
+            </a:r>
+          </a:p>
+          <a:p>
+            <a:pPr marL="285750" indent="-285750">
+              <a:lnSpc>
+                <a:spcPct val="150000"/>
+              </a:lnSpc>
+              <a:buClr>
+                <a:srgbClr val="000000"/>
+              </a:buClr>
+              <a:buSzPts val="1400"/>
+              <a:buFontTx/>
+              <a:buChar char="-"/>
+            </a:pPr>
+            <a:r>
+              <a:rPr lang="fr-CH" sz="2000" dirty="0" err="1"/>
+              <a:t>Number</a:t>
+            </a:r>
+            <a:r>
+              <a:rPr lang="fr-CH" sz="2000" dirty="0"/>
+              <a:t> of </a:t>
+            </a:r>
+            <a:r>
+              <a:rPr lang="fr-CH" sz="2000" dirty="0" err="1"/>
+              <a:t>decision</a:t>
+            </a:r>
+            <a:r>
+              <a:rPr lang="fr-CH" sz="2000" dirty="0"/>
+              <a:t> </a:t>
+            </a:r>
+            <a:r>
+              <a:rPr lang="fr-CH" sz="2000" dirty="0" err="1"/>
+              <a:t>trees</a:t>
+            </a:r>
+            <a:endParaRPr lang="fr-CH" sz="2000" dirty="0"/>
+          </a:p>
+          <a:p>
+            <a:pPr marL="285750" indent="-285750">
+              <a:lnSpc>
+                <a:spcPct val="150000"/>
+              </a:lnSpc>
+              <a:buClr>
+                <a:srgbClr val="000000"/>
+              </a:buClr>
+              <a:buSzPts val="1400"/>
+              <a:buFontTx/>
+              <a:buChar char="-"/>
+            </a:pPr>
+            <a:r>
+              <a:rPr lang="fr-CH" sz="2000" dirty="0"/>
+              <a:t>Maximum </a:t>
+            </a:r>
+            <a:r>
+              <a:rPr lang="fr-CH" sz="2000" dirty="0" err="1"/>
+              <a:t>depth</a:t>
+            </a:r>
+            <a:r>
+              <a:rPr lang="fr-CH" sz="2000" dirty="0"/>
+              <a:t> of </a:t>
+            </a:r>
+            <a:r>
+              <a:rPr lang="fr-CH" sz="2000" dirty="0" err="1"/>
+              <a:t>each</a:t>
+            </a:r>
+            <a:r>
+              <a:rPr lang="fr-CH" sz="2000" dirty="0"/>
+              <a:t> </a:t>
+            </a:r>
+            <a:r>
+              <a:rPr lang="fr-CH" sz="2000" dirty="0" err="1"/>
+              <a:t>tree</a:t>
+            </a:r>
+            <a:r>
+              <a:rPr lang="fr-CH" sz="2000" dirty="0"/>
+              <a:t> </a:t>
+            </a:r>
+          </a:p>
+          <a:p>
+            <a:pPr marL="285750" indent="-285750">
+              <a:lnSpc>
+                <a:spcPct val="150000"/>
+              </a:lnSpc>
+              <a:buClr>
+                <a:srgbClr val="000000"/>
+              </a:buClr>
+              <a:buSzPts val="1400"/>
+              <a:buFontTx/>
+              <a:buChar char="-"/>
+            </a:pPr>
+            <a:r>
+              <a:rPr lang="fr-CH" sz="2000" dirty="0"/>
+              <a:t>Maximum </a:t>
+            </a:r>
+            <a:r>
+              <a:rPr lang="fr-CH" sz="2000" dirty="0" err="1"/>
+              <a:t>number</a:t>
+            </a:r>
+            <a:r>
+              <a:rPr lang="fr-CH" sz="2000" dirty="0"/>
+              <a:t> of </a:t>
+            </a:r>
+            <a:r>
+              <a:rPr lang="fr-CH" sz="2000" dirty="0" err="1"/>
+              <a:t>features</a:t>
+            </a:r>
+            <a:r>
+              <a:rPr lang="fr-CH" sz="2000" dirty="0"/>
+              <a:t> to </a:t>
+            </a:r>
+            <a:r>
+              <a:rPr lang="fr-CH" sz="2000" dirty="0" err="1"/>
+              <a:t>consider</a:t>
+            </a:r>
+            <a:r>
+              <a:rPr lang="fr-CH" sz="2000" dirty="0"/>
+              <a:t>	60 </a:t>
+            </a:r>
+            <a:r>
+              <a:rPr lang="fr-CH" sz="2000" dirty="0" err="1"/>
+              <a:t>from</a:t>
+            </a:r>
+            <a:r>
+              <a:rPr lang="fr-CH" sz="2000" dirty="0"/>
+              <a:t> PCA	</a:t>
+            </a:r>
+            <a:endParaRPr sz="2000" dirty="0">
+              <a:solidFill>
+                <a:srgbClr val="000000"/>
+              </a:solidFill>
+              <a:ea typeface="Calibri"/>
+              <a:cs typeface="Calibri"/>
+              <a:sym typeface="Calibri"/>
+            </a:endParaRPr>
+          </a:p>
           <a:p>
             <a:pPr>
               <a:buClr>
@@ -11717,45 +12161,10 @@
               </a:buClr>
               <a:buSzPts val="1400"/>
             </a:pPr>
-            <a:endParaRPr sz="1867" dirty="0">
+            <a:endParaRPr sz="2000" dirty="0">
               <a:solidFill>
                 <a:srgbClr val="000000"/>
               </a:solidFill>
-              <a:latin typeface="Calibri"/>
-              <a:ea typeface="Calibri"/>
-              <a:cs typeface="Calibri"/>
-              <a:sym typeface="Calibri"/>
-            </a:endParaRPr>
-          </a:p>
-          <a:p>
-            <a:pPr>
-              <a:buClr>
-                <a:srgbClr val="000000"/>
-              </a:buClr>
-              <a:buSzPts val="1400"/>
-            </a:pPr>
-            <a:endParaRPr sz="1867" dirty="0">
-              <a:solidFill>
-                <a:srgbClr val="000000"/>
-              </a:solidFill>
-              <a:latin typeface="Calibri"/>
-              <a:ea typeface="Calibri"/>
-              <a:cs typeface="Calibri"/>
-              <a:sym typeface="Calibri"/>
-            </a:endParaRPr>
-          </a:p>
-          <a:p>
-            <a:pPr>
-              <a:buClr>
-                <a:srgbClr val="000000"/>
-              </a:buClr>
-              <a:buSzPts val="1400"/>
-            </a:pPr>
-            <a:endParaRPr sz="1867" dirty="0">
-              <a:solidFill>
-                <a:srgbClr val="000000"/>
-              </a:solidFill>
-              <a:latin typeface="Calibri"/>
               <a:ea typeface="Calibri"/>
               <a:cs typeface="Calibri"/>
               <a:sym typeface="Calibri"/>
@@ -11986,6 +12395,82 @@
                 </a:schemeClr>
               </a:solidFill>
             </a:endParaRPr>
+          </a:p>
+        </p:txBody>
+      </p:sp>
+      <p:pic>
+        <p:nvPicPr>
+          <p:cNvPr id="10" name="Image 9">
+            <a:extLst>
+              <a:ext uri="{FF2B5EF4-FFF2-40B4-BE49-F238E27FC236}">
+                <a16:creationId xmlns:a16="http://schemas.microsoft.com/office/drawing/2014/main" id="{E73FF287-4849-2C40-96B0-44678A71B552}"/>
+              </a:ext>
+            </a:extLst>
+          </p:cNvPr>
+          <p:cNvPicPr>
+            <a:picLocks noChangeAspect="1"/>
+          </p:cNvPicPr>
+          <p:nvPr/>
+        </p:nvPicPr>
+        <p:blipFill>
+          <a:blip r:embed="rId7"/>
+          <a:stretch>
+            <a:fillRect/>
+          </a:stretch>
+        </p:blipFill>
+        <p:spPr>
+          <a:xfrm>
+            <a:off x="6299198" y="1419603"/>
+            <a:ext cx="5464969" cy="3781564"/>
+          </a:xfrm>
+          <a:prstGeom prst="rect">
+            <a:avLst/>
+          </a:prstGeom>
+        </p:spPr>
+      </p:pic>
+      <p:sp>
+        <p:nvSpPr>
+          <p:cNvPr id="11" name="Flèche vers la droite 10">
+            <a:extLst>
+              <a:ext uri="{FF2B5EF4-FFF2-40B4-BE49-F238E27FC236}">
+                <a16:creationId xmlns:a16="http://schemas.microsoft.com/office/drawing/2014/main" id="{07AC349A-C75A-3B4F-A883-0F6A63733259}"/>
+              </a:ext>
+            </a:extLst>
+          </p:cNvPr>
+          <p:cNvSpPr/>
+          <p:nvPr/>
+        </p:nvSpPr>
+        <p:spPr>
+          <a:xfrm>
+            <a:off x="5706531" y="5369760"/>
+            <a:ext cx="592667" cy="263248"/>
+          </a:xfrm>
+          <a:prstGeom prst="rightArrow">
+            <a:avLst/>
+          </a:prstGeom>
+        </p:spPr>
+        <p:style>
+          <a:lnRef idx="2">
+            <a:schemeClr val="accent1">
+              <a:shade val="50000"/>
+            </a:schemeClr>
+          </a:lnRef>
+          <a:fillRef idx="1">
+            <a:schemeClr val="accent1"/>
+          </a:fillRef>
+          <a:effectRef idx="0">
+            <a:schemeClr val="accent1"/>
+          </a:effectRef>
+          <a:fontRef idx="minor">
+            <a:schemeClr val="lt1"/>
+          </a:fontRef>
+        </p:style>
+        <p:txBody>
+          <a:bodyPr rtlCol="0" anchor="ctr"/>
+          <a:lstStyle/>
+          <a:p>
+            <a:pPr algn="ctr"/>
+            <a:endParaRPr lang="fr-FR"/>
           </a:p>
         </p:txBody>
       </p:sp>
@@ -12021,49 +12506,6 @@
       </p:grpSpPr>
       <p:sp>
         <p:nvSpPr>
-          <p:cNvPr id="61" name="Google Shape;61;p14"/>
-          <p:cNvSpPr txBox="1">
-            <a:spLocks noGrp="1"/>
-          </p:cNvSpPr>
-          <p:nvPr>
-            <p:ph type="title"/>
-          </p:nvPr>
-        </p:nvSpPr>
-        <p:spPr>
-          <a:xfrm>
-            <a:off x="403367" y="312651"/>
-            <a:ext cx="11360800" cy="763600"/>
-          </a:xfrm>
-          <a:prstGeom prst="rect">
-            <a:avLst/>
-          </a:prstGeom>
-          <a:noFill/>
-          <a:ln>
-            <a:noFill/>
-          </a:ln>
-        </p:spPr>
-        <p:txBody>
-          <a:bodyPr spcFirstLastPara="1" vert="horz" wrap="square" lIns="121900" tIns="121900" rIns="121900" bIns="121900" rtlCol="0" anchor="t" anchorCtr="0">
-            <a:noAutofit/>
-          </a:bodyPr>
-          <a:lstStyle/>
-          <a:p>
-            <a:pPr algn="ctr">
-              <a:lnSpc>
-                <a:spcPct val="100000"/>
-              </a:lnSpc>
-            </a:pPr>
-            <a:endParaRPr dirty="0">
-              <a:latin typeface="Calibri"/>
-              <a:ea typeface="Calibri"/>
-              <a:cs typeface="Calibri"/>
-              <a:sym typeface="Calibri"/>
-            </a:endParaRPr>
-          </a:p>
-        </p:txBody>
-      </p:sp>
-      <p:sp>
-        <p:nvSpPr>
           <p:cNvPr id="65" name="Google Shape;65;p14"/>
           <p:cNvSpPr txBox="1"/>
           <p:nvPr/>
@@ -12071,7 +12513,7 @@
         <p:spPr>
           <a:xfrm>
             <a:off x="403367" y="1293033"/>
-            <a:ext cx="11092000" cy="5374800"/>
+            <a:ext cx="6308787" cy="1484034"/>
           </a:xfrm>
           <a:prstGeom prst="rect">
             <a:avLst/>
@@ -12362,6 +12804,497 @@
                 </a:schemeClr>
               </a:solidFill>
             </a:endParaRPr>
+          </a:p>
+        </p:txBody>
+      </p:sp>
+      <p:pic>
+        <p:nvPicPr>
+          <p:cNvPr id="10" name="Image 9" descr="Une image contenant texte, carte&#10;&#10;Description générée automatiquement">
+            <a:extLst>
+              <a:ext uri="{FF2B5EF4-FFF2-40B4-BE49-F238E27FC236}">
+                <a16:creationId xmlns:a16="http://schemas.microsoft.com/office/drawing/2014/main" id="{3B1FCBA2-8204-9E43-957C-27E34D13ACD2}"/>
+              </a:ext>
+            </a:extLst>
+          </p:cNvPr>
+          <p:cNvPicPr>
+            <a:picLocks noChangeAspect="1"/>
+          </p:cNvPicPr>
+          <p:nvPr/>
+        </p:nvPicPr>
+        <p:blipFill>
+          <a:blip r:embed="rId7"/>
+          <a:stretch>
+            <a:fillRect/>
+          </a:stretch>
+        </p:blipFill>
+        <p:spPr>
+          <a:xfrm>
+            <a:off x="1284811" y="1293033"/>
+            <a:ext cx="4545897" cy="3168692"/>
+          </a:xfrm>
+          <a:prstGeom prst="rect">
+            <a:avLst/>
+          </a:prstGeom>
+          <a:ln>
+            <a:solidFill>
+              <a:schemeClr val="tx1"/>
+            </a:solidFill>
+          </a:ln>
+        </p:spPr>
+      </p:pic>
+      <p:pic>
+        <p:nvPicPr>
+          <p:cNvPr id="11" name="Image 10" descr="Une image contenant texte, carte&#10;&#10;Description générée automatiquement">
+            <a:extLst>
+              <a:ext uri="{FF2B5EF4-FFF2-40B4-BE49-F238E27FC236}">
+                <a16:creationId xmlns:a16="http://schemas.microsoft.com/office/drawing/2014/main" id="{5F627A87-93FB-9840-80DC-54B2D8F3945A}"/>
+              </a:ext>
+            </a:extLst>
+          </p:cNvPr>
+          <p:cNvPicPr>
+            <a:picLocks noChangeAspect="1"/>
+          </p:cNvPicPr>
+          <p:nvPr/>
+        </p:nvPicPr>
+        <p:blipFill>
+          <a:blip r:embed="rId8"/>
+          <a:stretch>
+            <a:fillRect/>
+          </a:stretch>
+        </p:blipFill>
+        <p:spPr>
+          <a:xfrm>
+            <a:off x="6645079" y="1273927"/>
+            <a:ext cx="4668464" cy="3168692"/>
+          </a:xfrm>
+          <a:prstGeom prst="rect">
+            <a:avLst/>
+          </a:prstGeom>
+          <a:ln>
+            <a:solidFill>
+              <a:schemeClr val="tx1"/>
+            </a:solidFill>
+          </a:ln>
+        </p:spPr>
+      </p:pic>
+      <p:pic>
+        <p:nvPicPr>
+          <p:cNvPr id="12" name="Image 11" descr="Une image contenant dessin&#10;&#10;Description générée automatiquement">
+            <a:extLst>
+              <a:ext uri="{FF2B5EF4-FFF2-40B4-BE49-F238E27FC236}">
+                <a16:creationId xmlns:a16="http://schemas.microsoft.com/office/drawing/2014/main" id="{7D14109D-EB15-5B42-A40B-206E6EBB40F5}"/>
+              </a:ext>
+            </a:extLst>
+          </p:cNvPr>
+          <p:cNvPicPr>
+            <a:picLocks noChangeAspect="1"/>
+          </p:cNvPicPr>
+          <p:nvPr/>
+        </p:nvPicPr>
+        <p:blipFill>
+          <a:blip r:embed="rId9"/>
+          <a:stretch>
+            <a:fillRect/>
+          </a:stretch>
+        </p:blipFill>
+        <p:spPr>
+          <a:xfrm>
+            <a:off x="7181701" y="4915388"/>
+            <a:ext cx="3606800" cy="1079500"/>
+          </a:xfrm>
+          <a:prstGeom prst="rect">
+            <a:avLst/>
+          </a:prstGeom>
+        </p:spPr>
+      </p:pic>
+      <p:sp>
+        <p:nvSpPr>
+          <p:cNvPr id="17" name="Google Shape;61;p14">
+            <a:extLst>
+              <a:ext uri="{FF2B5EF4-FFF2-40B4-BE49-F238E27FC236}">
+                <a16:creationId xmlns:a16="http://schemas.microsoft.com/office/drawing/2014/main" id="{A3576D74-7040-334A-B082-987E3A2F835C}"/>
+              </a:ext>
+            </a:extLst>
+          </p:cNvPr>
+          <p:cNvSpPr txBox="1">
+            <a:spLocks noGrp="1"/>
+          </p:cNvSpPr>
+          <p:nvPr>
+            <p:ph type="title"/>
+          </p:nvPr>
+        </p:nvSpPr>
+        <p:spPr>
+          <a:xfrm>
+            <a:off x="403367" y="312651"/>
+            <a:ext cx="11360800" cy="763600"/>
+          </a:xfrm>
+          <a:prstGeom prst="rect">
+            <a:avLst/>
+          </a:prstGeom>
+          <a:noFill/>
+          <a:ln>
+            <a:noFill/>
+          </a:ln>
+        </p:spPr>
+        <p:txBody>
+          <a:bodyPr spcFirstLastPara="1" vert="horz" wrap="square" lIns="121900" tIns="121900" rIns="121900" bIns="121900" rtlCol="0" anchor="t" anchorCtr="0">
+            <a:noAutofit/>
+          </a:bodyPr>
+          <a:lstStyle/>
+          <a:p>
+            <a:pPr algn="ctr">
+              <a:lnSpc>
+                <a:spcPct val="100000"/>
+              </a:lnSpc>
+            </a:pPr>
+            <a:r>
+              <a:rPr lang="fr-CH" dirty="0" err="1">
+                <a:latin typeface="Calibri"/>
+                <a:ea typeface="Calibri"/>
+                <a:cs typeface="Calibri"/>
+                <a:sym typeface="Calibri"/>
+              </a:rPr>
+              <a:t>Random</a:t>
+            </a:r>
+            <a:r>
+              <a:rPr lang="fr-CH" dirty="0">
+                <a:latin typeface="Calibri"/>
+                <a:ea typeface="Calibri"/>
+                <a:cs typeface="Calibri"/>
+                <a:sym typeface="Calibri"/>
+              </a:rPr>
+              <a:t> Forest</a:t>
+            </a:r>
+            <a:endParaRPr dirty="0">
+              <a:latin typeface="Calibri"/>
+              <a:ea typeface="Calibri"/>
+              <a:cs typeface="Calibri"/>
+              <a:sym typeface="Calibri"/>
+            </a:endParaRPr>
+          </a:p>
+        </p:txBody>
+      </p:sp>
+      <p:sp>
+        <p:nvSpPr>
+          <p:cNvPr id="2" name="Rectangle 1">
+            <a:extLst>
+              <a:ext uri="{FF2B5EF4-FFF2-40B4-BE49-F238E27FC236}">
+                <a16:creationId xmlns:a16="http://schemas.microsoft.com/office/drawing/2014/main" id="{D91048DE-0E68-1147-A037-5C77D796742A}"/>
+              </a:ext>
+            </a:extLst>
+          </p:cNvPr>
+          <p:cNvSpPr/>
+          <p:nvPr/>
+        </p:nvSpPr>
+        <p:spPr>
+          <a:xfrm>
+            <a:off x="1893194" y="1596980"/>
+            <a:ext cx="1210614" cy="2434107"/>
+          </a:xfrm>
+          <a:prstGeom prst="rect">
+            <a:avLst/>
+          </a:prstGeom>
+          <a:solidFill>
+            <a:schemeClr val="accent1">
+              <a:alpha val="10000"/>
+            </a:schemeClr>
+          </a:solidFill>
+          <a:ln>
+            <a:noFill/>
+          </a:ln>
+        </p:spPr>
+        <p:style>
+          <a:lnRef idx="2">
+            <a:schemeClr val="accent1">
+              <a:shade val="50000"/>
+            </a:schemeClr>
+          </a:lnRef>
+          <a:fillRef idx="1">
+            <a:schemeClr val="accent1"/>
+          </a:fillRef>
+          <a:effectRef idx="0">
+            <a:schemeClr val="accent1"/>
+          </a:effectRef>
+          <a:fontRef idx="minor">
+            <a:schemeClr val="lt1"/>
+          </a:fontRef>
+        </p:style>
+        <p:txBody>
+          <a:bodyPr rtlCol="0" anchor="ctr"/>
+          <a:lstStyle/>
+          <a:p>
+            <a:pPr algn="ctr"/>
+            <a:endParaRPr lang="fr-FR" dirty="0"/>
+          </a:p>
+        </p:txBody>
+      </p:sp>
+      <p:sp>
+        <p:nvSpPr>
+          <p:cNvPr id="18" name="Rectangle 17">
+            <a:extLst>
+              <a:ext uri="{FF2B5EF4-FFF2-40B4-BE49-F238E27FC236}">
+                <a16:creationId xmlns:a16="http://schemas.microsoft.com/office/drawing/2014/main" id="{674FC3D2-6EC8-F549-8CAF-B925AFDB656C}"/>
+              </a:ext>
+            </a:extLst>
+          </p:cNvPr>
+          <p:cNvSpPr/>
+          <p:nvPr/>
+        </p:nvSpPr>
+        <p:spPr>
+          <a:xfrm>
+            <a:off x="3103807" y="1596798"/>
+            <a:ext cx="1315289" cy="2434107"/>
+          </a:xfrm>
+          <a:prstGeom prst="rect">
+            <a:avLst/>
+          </a:prstGeom>
+          <a:solidFill>
+            <a:schemeClr val="accent6">
+              <a:alpha val="10000"/>
+            </a:schemeClr>
+          </a:solidFill>
+          <a:ln>
+            <a:noFill/>
+          </a:ln>
+        </p:spPr>
+        <p:style>
+          <a:lnRef idx="2">
+            <a:schemeClr val="accent1">
+              <a:shade val="50000"/>
+            </a:schemeClr>
+          </a:lnRef>
+          <a:fillRef idx="1">
+            <a:schemeClr val="accent1"/>
+          </a:fillRef>
+          <a:effectRef idx="0">
+            <a:schemeClr val="accent1"/>
+          </a:effectRef>
+          <a:fontRef idx="minor">
+            <a:schemeClr val="lt1"/>
+          </a:fontRef>
+        </p:style>
+        <p:txBody>
+          <a:bodyPr rtlCol="0" anchor="ctr"/>
+          <a:lstStyle/>
+          <a:p>
+            <a:pPr algn="ctr"/>
+            <a:endParaRPr lang="fr-FR" dirty="0"/>
+          </a:p>
+        </p:txBody>
+      </p:sp>
+      <p:sp>
+        <p:nvSpPr>
+          <p:cNvPr id="19" name="Rectangle 18">
+            <a:extLst>
+              <a:ext uri="{FF2B5EF4-FFF2-40B4-BE49-F238E27FC236}">
+                <a16:creationId xmlns:a16="http://schemas.microsoft.com/office/drawing/2014/main" id="{54A6E979-DF28-D34E-A523-9B8D98E0CF76}"/>
+              </a:ext>
+            </a:extLst>
+          </p:cNvPr>
+          <p:cNvSpPr/>
+          <p:nvPr/>
+        </p:nvSpPr>
+        <p:spPr>
+          <a:xfrm>
+            <a:off x="4419097" y="1595961"/>
+            <a:ext cx="1210614" cy="2434107"/>
+          </a:xfrm>
+          <a:prstGeom prst="rect">
+            <a:avLst/>
+          </a:prstGeom>
+          <a:solidFill>
+            <a:schemeClr val="accent2">
+              <a:alpha val="10000"/>
+            </a:schemeClr>
+          </a:solidFill>
+          <a:ln>
+            <a:noFill/>
+          </a:ln>
+        </p:spPr>
+        <p:style>
+          <a:lnRef idx="2">
+            <a:schemeClr val="accent1">
+              <a:shade val="50000"/>
+            </a:schemeClr>
+          </a:lnRef>
+          <a:fillRef idx="1">
+            <a:schemeClr val="accent1"/>
+          </a:fillRef>
+          <a:effectRef idx="0">
+            <a:schemeClr val="accent1"/>
+          </a:effectRef>
+          <a:fontRef idx="minor">
+            <a:schemeClr val="lt1"/>
+          </a:fontRef>
+        </p:style>
+        <p:txBody>
+          <a:bodyPr rtlCol="0" anchor="ctr"/>
+          <a:lstStyle/>
+          <a:p>
+            <a:pPr algn="ctr"/>
+            <a:endParaRPr lang="fr-FR"/>
+          </a:p>
+        </p:txBody>
+      </p:sp>
+      <p:sp>
+        <p:nvSpPr>
+          <p:cNvPr id="20" name="Rectangle 19">
+            <a:extLst>
+              <a:ext uri="{FF2B5EF4-FFF2-40B4-BE49-F238E27FC236}">
+                <a16:creationId xmlns:a16="http://schemas.microsoft.com/office/drawing/2014/main" id="{AAA39250-023C-3F44-8D68-240101D1672B}"/>
+              </a:ext>
+            </a:extLst>
+          </p:cNvPr>
+          <p:cNvSpPr/>
+          <p:nvPr/>
+        </p:nvSpPr>
+        <p:spPr>
+          <a:xfrm>
+            <a:off x="7388271" y="1523633"/>
+            <a:ext cx="1210614" cy="2434107"/>
+          </a:xfrm>
+          <a:prstGeom prst="rect">
+            <a:avLst/>
+          </a:prstGeom>
+          <a:solidFill>
+            <a:schemeClr val="accent1">
+              <a:alpha val="10000"/>
+            </a:schemeClr>
+          </a:solidFill>
+          <a:ln>
+            <a:noFill/>
+          </a:ln>
+        </p:spPr>
+        <p:style>
+          <a:lnRef idx="2">
+            <a:schemeClr val="accent1">
+              <a:shade val="50000"/>
+            </a:schemeClr>
+          </a:lnRef>
+          <a:fillRef idx="1">
+            <a:schemeClr val="accent1"/>
+          </a:fillRef>
+          <a:effectRef idx="0">
+            <a:schemeClr val="accent1"/>
+          </a:effectRef>
+          <a:fontRef idx="minor">
+            <a:schemeClr val="lt1"/>
+          </a:fontRef>
+        </p:style>
+        <p:txBody>
+          <a:bodyPr rtlCol="0" anchor="ctr"/>
+          <a:lstStyle/>
+          <a:p>
+            <a:pPr algn="ctr"/>
+            <a:endParaRPr lang="fr-FR" dirty="0"/>
+          </a:p>
+        </p:txBody>
+      </p:sp>
+      <p:sp>
+        <p:nvSpPr>
+          <p:cNvPr id="21" name="Rectangle 20">
+            <a:extLst>
+              <a:ext uri="{FF2B5EF4-FFF2-40B4-BE49-F238E27FC236}">
+                <a16:creationId xmlns:a16="http://schemas.microsoft.com/office/drawing/2014/main" id="{958F359B-9662-EC41-9D40-5A334EBC40CA}"/>
+              </a:ext>
+            </a:extLst>
+          </p:cNvPr>
+          <p:cNvSpPr/>
+          <p:nvPr/>
+        </p:nvSpPr>
+        <p:spPr>
+          <a:xfrm>
+            <a:off x="8581951" y="1523451"/>
+            <a:ext cx="1315288" cy="2434107"/>
+          </a:xfrm>
+          <a:prstGeom prst="rect">
+            <a:avLst/>
+          </a:prstGeom>
+          <a:solidFill>
+            <a:schemeClr val="accent6">
+              <a:alpha val="10000"/>
+            </a:schemeClr>
+          </a:solidFill>
+          <a:ln>
+            <a:noFill/>
+          </a:ln>
+        </p:spPr>
+        <p:style>
+          <a:lnRef idx="2">
+            <a:schemeClr val="accent1">
+              <a:shade val="50000"/>
+            </a:schemeClr>
+          </a:lnRef>
+          <a:fillRef idx="1">
+            <a:schemeClr val="accent1"/>
+          </a:fillRef>
+          <a:effectRef idx="0">
+            <a:schemeClr val="accent1"/>
+          </a:effectRef>
+          <a:fontRef idx="minor">
+            <a:schemeClr val="lt1"/>
+          </a:fontRef>
+        </p:style>
+        <p:txBody>
+          <a:bodyPr rtlCol="0" anchor="ctr"/>
+          <a:lstStyle/>
+          <a:p>
+            <a:pPr algn="ctr"/>
+            <a:endParaRPr lang="fr-FR" dirty="0"/>
+          </a:p>
+        </p:txBody>
+      </p:sp>
+      <p:sp>
+        <p:nvSpPr>
+          <p:cNvPr id="22" name="Rectangle 21">
+            <a:extLst>
+              <a:ext uri="{FF2B5EF4-FFF2-40B4-BE49-F238E27FC236}">
+                <a16:creationId xmlns:a16="http://schemas.microsoft.com/office/drawing/2014/main" id="{F1EF0C56-AA8E-6A48-8B61-B3DAE3C99DAD}"/>
+              </a:ext>
+            </a:extLst>
+          </p:cNvPr>
+          <p:cNvSpPr/>
+          <p:nvPr/>
+        </p:nvSpPr>
+        <p:spPr>
+          <a:xfrm>
+            <a:off x="9897239" y="1528023"/>
+            <a:ext cx="1210614" cy="2434107"/>
+          </a:xfrm>
+          <a:prstGeom prst="rect">
+            <a:avLst/>
+          </a:prstGeom>
+          <a:solidFill>
+            <a:schemeClr val="accent2">
+              <a:alpha val="10000"/>
+            </a:schemeClr>
+          </a:solidFill>
+          <a:ln>
+            <a:noFill/>
+          </a:ln>
+        </p:spPr>
+        <p:style>
+          <a:lnRef idx="2">
+            <a:schemeClr val="accent1">
+              <a:shade val="50000"/>
+            </a:schemeClr>
+          </a:lnRef>
+          <a:fillRef idx="1">
+            <a:schemeClr val="accent1"/>
+          </a:fillRef>
+          <a:effectRef idx="0">
+            <a:schemeClr val="accent1"/>
+          </a:effectRef>
+          <a:fontRef idx="minor">
+            <a:schemeClr val="lt1"/>
+          </a:fontRef>
+        </p:style>
+        <p:txBody>
+          <a:bodyPr rtlCol="0" anchor="ctr"/>
+          <a:lstStyle/>
+          <a:p>
+            <a:pPr algn="ctr"/>
+            <a:endParaRPr lang="fr-FR"/>
           </a:p>
         </p:txBody>
       </p:sp>
